--- a/Systemd Cheat-Sheet.pptx
+++ b/Systemd Cheat-Sheet.pptx
@@ -259,7 +259,7 @@
           <a:p>
             <a:fld id="{FFAFA2CB-AEDA-4BA8-AA89-BFC48250AB06}" type="datetimeFigureOut">
               <a:rPr lang="es-ES" smtClean="0"/>
-              <a:t>25/03/2023</a:t>
+              <a:t>22/04/2023</a:t>
             </a:fld>
             <a:endParaRPr lang="es-ES"/>
           </a:p>
@@ -457,7 +457,7 @@
           <a:p>
             <a:fld id="{FFAFA2CB-AEDA-4BA8-AA89-BFC48250AB06}" type="datetimeFigureOut">
               <a:rPr lang="es-ES" smtClean="0"/>
-              <a:t>25/03/2023</a:t>
+              <a:t>22/04/2023</a:t>
             </a:fld>
             <a:endParaRPr lang="es-ES"/>
           </a:p>
@@ -665,7 +665,7 @@
           <a:p>
             <a:fld id="{FFAFA2CB-AEDA-4BA8-AA89-BFC48250AB06}" type="datetimeFigureOut">
               <a:rPr lang="es-ES" smtClean="0"/>
-              <a:t>25/03/2023</a:t>
+              <a:t>22/04/2023</a:t>
             </a:fld>
             <a:endParaRPr lang="es-ES"/>
           </a:p>
@@ -863,7 +863,7 @@
           <a:p>
             <a:fld id="{FFAFA2CB-AEDA-4BA8-AA89-BFC48250AB06}" type="datetimeFigureOut">
               <a:rPr lang="es-ES" smtClean="0"/>
-              <a:t>25/03/2023</a:t>
+              <a:t>22/04/2023</a:t>
             </a:fld>
             <a:endParaRPr lang="es-ES"/>
           </a:p>
@@ -1138,7 +1138,7 @@
           <a:p>
             <a:fld id="{FFAFA2CB-AEDA-4BA8-AA89-BFC48250AB06}" type="datetimeFigureOut">
               <a:rPr lang="es-ES" smtClean="0"/>
-              <a:t>25/03/2023</a:t>
+              <a:t>22/04/2023</a:t>
             </a:fld>
             <a:endParaRPr lang="es-ES"/>
           </a:p>
@@ -1403,7 +1403,7 @@
           <a:p>
             <a:fld id="{FFAFA2CB-AEDA-4BA8-AA89-BFC48250AB06}" type="datetimeFigureOut">
               <a:rPr lang="es-ES" smtClean="0"/>
-              <a:t>25/03/2023</a:t>
+              <a:t>22/04/2023</a:t>
             </a:fld>
             <a:endParaRPr lang="es-ES"/>
           </a:p>
@@ -1815,7 +1815,7 @@
           <a:p>
             <a:fld id="{FFAFA2CB-AEDA-4BA8-AA89-BFC48250AB06}" type="datetimeFigureOut">
               <a:rPr lang="es-ES" smtClean="0"/>
-              <a:t>25/03/2023</a:t>
+              <a:t>22/04/2023</a:t>
             </a:fld>
             <a:endParaRPr lang="es-ES"/>
           </a:p>
@@ -1956,7 +1956,7 @@
           <a:p>
             <a:fld id="{FFAFA2CB-AEDA-4BA8-AA89-BFC48250AB06}" type="datetimeFigureOut">
               <a:rPr lang="es-ES" smtClean="0"/>
-              <a:t>25/03/2023</a:t>
+              <a:t>22/04/2023</a:t>
             </a:fld>
             <a:endParaRPr lang="es-ES"/>
           </a:p>
@@ -2069,7 +2069,7 @@
           <a:p>
             <a:fld id="{FFAFA2CB-AEDA-4BA8-AA89-BFC48250AB06}" type="datetimeFigureOut">
               <a:rPr lang="es-ES" smtClean="0"/>
-              <a:t>25/03/2023</a:t>
+              <a:t>22/04/2023</a:t>
             </a:fld>
             <a:endParaRPr lang="es-ES"/>
           </a:p>
@@ -2380,7 +2380,7 @@
           <a:p>
             <a:fld id="{FFAFA2CB-AEDA-4BA8-AA89-BFC48250AB06}" type="datetimeFigureOut">
               <a:rPr lang="es-ES" smtClean="0"/>
-              <a:t>25/03/2023</a:t>
+              <a:t>22/04/2023</a:t>
             </a:fld>
             <a:endParaRPr lang="es-ES"/>
           </a:p>
@@ -2668,7 +2668,7 @@
           <a:p>
             <a:fld id="{FFAFA2CB-AEDA-4BA8-AA89-BFC48250AB06}" type="datetimeFigureOut">
               <a:rPr lang="es-ES" smtClean="0"/>
-              <a:t>25/03/2023</a:t>
+              <a:t>22/04/2023</a:t>
             </a:fld>
             <a:endParaRPr lang="es-ES"/>
           </a:p>
@@ -2909,7 +2909,7 @@
           <a:p>
             <a:fld id="{FFAFA2CB-AEDA-4BA8-AA89-BFC48250AB06}" type="datetimeFigureOut">
               <a:rPr lang="es-ES" smtClean="0"/>
-              <a:t>25/03/2023</a:t>
+              <a:t>22/04/2023</a:t>
             </a:fld>
             <a:endParaRPr lang="es-ES"/>
           </a:p>
@@ -9865,10 +9865,9 @@
           <a:p>
             <a:pPr algn="ctr"/>
             <a:r>
-              <a:rPr lang="es-ES" sz="900" b="1" dirty="0" err="1"/>
-              <a:t>Runlevels</a:t>
+              <a:rPr lang="es-ES" sz="900" b="1" dirty="0"/>
+              <a:t>Targets</a:t>
             </a:r>
-            <a:endParaRPr lang="es-ES" sz="900" b="1" dirty="0"/>
           </a:p>
         </p:txBody>
       </p:sp>
